--- a/Slides/Slides.pptx
+++ b/Slides/Slides.pptx
@@ -5820,8 +5820,38 @@
         </p:blipFill>
         <p:spPr>
           <a:xfrm>
-            <a:off x="3647728" y="2204864"/>
+            <a:off x="3431704" y="2276872"/>
             <a:ext cx="3232479" cy="2669084"/>
+          </a:xfrm>
+          <a:prstGeom prst="rect">
+            <a:avLst/>
+          </a:prstGeom>
+        </p:spPr>
+      </p:pic>
+      <p:pic>
+        <p:nvPicPr>
+          <p:cNvPr id="5" name="Picture 4"/>
+          <p:cNvPicPr>
+            <a:picLocks noChangeAspect="1"/>
+          </p:cNvPicPr>
+          <p:nvPr/>
+        </p:nvPicPr>
+        <p:blipFill>
+          <a:blip r:embed="rId3">
+            <a:extLst>
+              <a:ext uri="{28A0092B-C50C-407E-A947-70E740481C1C}">
+                <a14:useLocalDpi xmlns:a14="http://schemas.microsoft.com/office/drawing/2010/main" val="0"/>
+              </a:ext>
+            </a:extLst>
+          </a:blip>
+          <a:stretch>
+            <a:fillRect/>
+          </a:stretch>
+        </p:blipFill>
+        <p:spPr>
+          <a:xfrm>
+            <a:off x="6528048" y="2090181"/>
+            <a:ext cx="4651276" cy="3042466"/>
           </a:xfrm>
           <a:prstGeom prst="rect">
             <a:avLst/>
@@ -6612,7 +6642,7 @@
           <p:cNvPr id="2" name="表格 3">
             <a:extLst>
               <a:ext uri="{FF2B5EF4-FFF2-40B4-BE49-F238E27FC236}">
-                <a16:creationId xmlns="" xmlns:a16="http://schemas.microsoft.com/office/drawing/2014/main" id="{B908DCDA-0C7A-40A7-96D9-BD4EDD72036C}"/>
+                <a16:creationId xmlns:a16="http://schemas.microsoft.com/office/drawing/2014/main" id="{B908DCDA-0C7A-40A7-96D9-BD4EDD72036C}"/>
               </a:ext>
             </a:extLst>
           </p:cNvPr>
@@ -6641,35 +6671,35 @@
                 <a:gridCol w="1625600">
                   <a:extLst>
                     <a:ext uri="{9D8B030D-6E8A-4147-A177-3AD203B41FA5}">
-                      <a16:colId xmlns="" xmlns:a16="http://schemas.microsoft.com/office/drawing/2014/main" val="2951832171"/>
+                      <a16:colId xmlns:a16="http://schemas.microsoft.com/office/drawing/2014/main" val="2951832171"/>
                     </a:ext>
                   </a:extLst>
                 </a:gridCol>
                 <a:gridCol w="1625600">
                   <a:extLst>
                     <a:ext uri="{9D8B030D-6E8A-4147-A177-3AD203B41FA5}">
-                      <a16:colId xmlns="" xmlns:a16="http://schemas.microsoft.com/office/drawing/2014/main" val="336593616"/>
+                      <a16:colId xmlns:a16="http://schemas.microsoft.com/office/drawing/2014/main" val="336593616"/>
                     </a:ext>
                   </a:extLst>
                 </a:gridCol>
                 <a:gridCol w="1625600">
                   <a:extLst>
                     <a:ext uri="{9D8B030D-6E8A-4147-A177-3AD203B41FA5}">
-                      <a16:colId xmlns="" xmlns:a16="http://schemas.microsoft.com/office/drawing/2014/main" val="4183189978"/>
+                      <a16:colId xmlns:a16="http://schemas.microsoft.com/office/drawing/2014/main" val="4183189978"/>
                     </a:ext>
                   </a:extLst>
                 </a:gridCol>
                 <a:gridCol w="1625600">
                   <a:extLst>
                     <a:ext uri="{9D8B030D-6E8A-4147-A177-3AD203B41FA5}">
-                      <a16:colId xmlns="" xmlns:a16="http://schemas.microsoft.com/office/drawing/2014/main" val="411070510"/>
+                      <a16:colId xmlns:a16="http://schemas.microsoft.com/office/drawing/2014/main" val="411070510"/>
                     </a:ext>
                   </a:extLst>
                 </a:gridCol>
                 <a:gridCol w="1625600">
                   <a:extLst>
                     <a:ext uri="{9D8B030D-6E8A-4147-A177-3AD203B41FA5}">
-                      <a16:colId xmlns="" xmlns:a16="http://schemas.microsoft.com/office/drawing/2014/main" val="1688252511"/>
+                      <a16:colId xmlns:a16="http://schemas.microsoft.com/office/drawing/2014/main" val="1688252511"/>
                     </a:ext>
                   </a:extLst>
                 </a:gridCol>
@@ -6747,7 +6777,7 @@
                 </a:tc>
                 <a:extLst>
                   <a:ext uri="{0D108BD9-81ED-4DB2-BD59-A6C34878D82A}">
-                    <a16:rowId xmlns="" xmlns:a16="http://schemas.microsoft.com/office/drawing/2014/main" val="514750381"/>
+                    <a16:rowId xmlns:a16="http://schemas.microsoft.com/office/drawing/2014/main" val="514750381"/>
                   </a:ext>
                 </a:extLst>
               </a:tr>
@@ -6824,7 +6854,7 @@
                 </a:tc>
                 <a:extLst>
                   <a:ext uri="{0D108BD9-81ED-4DB2-BD59-A6C34878D82A}">
-                    <a16:rowId xmlns="" xmlns:a16="http://schemas.microsoft.com/office/drawing/2014/main" val="132124115"/>
+                    <a16:rowId xmlns:a16="http://schemas.microsoft.com/office/drawing/2014/main" val="132124115"/>
                   </a:ext>
                 </a:extLst>
               </a:tr>
@@ -6901,7 +6931,7 @@
                 </a:tc>
                 <a:extLst>
                   <a:ext uri="{0D108BD9-81ED-4DB2-BD59-A6C34878D82A}">
-                    <a16:rowId xmlns="" xmlns:a16="http://schemas.microsoft.com/office/drawing/2014/main" val="4214831566"/>
+                    <a16:rowId xmlns:a16="http://schemas.microsoft.com/office/drawing/2014/main" val="4214831566"/>
                   </a:ext>
                 </a:extLst>
               </a:tr>
@@ -6978,7 +7008,7 @@
                 </a:tc>
                 <a:extLst>
                   <a:ext uri="{0D108BD9-81ED-4DB2-BD59-A6C34878D82A}">
-                    <a16:rowId xmlns="" xmlns:a16="http://schemas.microsoft.com/office/drawing/2014/main" val="3737237761"/>
+                    <a16:rowId xmlns:a16="http://schemas.microsoft.com/office/drawing/2014/main" val="3737237761"/>
                   </a:ext>
                 </a:extLst>
               </a:tr>
@@ -7055,7 +7085,7 @@
                 </a:tc>
                 <a:extLst>
                   <a:ext uri="{0D108BD9-81ED-4DB2-BD59-A6C34878D82A}">
-                    <a16:rowId xmlns="" xmlns:a16="http://schemas.microsoft.com/office/drawing/2014/main" val="1026647633"/>
+                    <a16:rowId xmlns:a16="http://schemas.microsoft.com/office/drawing/2014/main" val="1026647633"/>
                   </a:ext>
                 </a:extLst>
               </a:tr>
@@ -7132,7 +7162,7 @@
                 </a:tc>
                 <a:extLst>
                   <a:ext uri="{0D108BD9-81ED-4DB2-BD59-A6C34878D82A}">
-                    <a16:rowId xmlns="" xmlns:a16="http://schemas.microsoft.com/office/drawing/2014/main" val="2191061076"/>
+                    <a16:rowId xmlns:a16="http://schemas.microsoft.com/office/drawing/2014/main" val="2191061076"/>
                   </a:ext>
                 </a:extLst>
               </a:tr>
@@ -7145,7 +7175,7 @@
           <p:cNvPr id="5" name="Content Placeholder 2">
             <a:extLst>
               <a:ext uri="{FF2B5EF4-FFF2-40B4-BE49-F238E27FC236}">
-                <a16:creationId xmlns="" xmlns:a16="http://schemas.microsoft.com/office/drawing/2014/main" id="{787F78F4-7BA1-45D0-A892-EECDC4758139}"/>
+                <a16:creationId xmlns:a16="http://schemas.microsoft.com/office/drawing/2014/main" id="{787F78F4-7BA1-45D0-A892-EECDC4758139}"/>
               </a:ext>
             </a:extLst>
           </p:cNvPr>
@@ -7468,30 +7498,12 @@
               <a:t>GitHub</a:t>
             </a:r>
             <a:r>
-              <a:rPr lang="en-SG" altLang="en-US" sz="1600" baseline="0">
-                <a:latin typeface="+mj-lt"/>
-                <a:cs typeface="Arial" panose="020B0604020202020204" pitchFamily="34" charset="0"/>
-              </a:rPr>
-              <a:t>: </a:t>
-            </a:r>
-            <a:r>
-              <a:rPr lang="en-SG" altLang="en-US" sz="1600" baseline="0" smtClean="0">
-                <a:latin typeface="+mj-lt"/>
-                <a:cs typeface="Arial" panose="020B0604020202020204" pitchFamily="34" charset="0"/>
-              </a:rPr>
-              <a:t>https</a:t>
-            </a:r>
-            <a:r>
               <a:rPr lang="en-SG" altLang="en-US" sz="1600" baseline="0" dirty="0">
                 <a:latin typeface="+mj-lt"/>
                 <a:cs typeface="Arial" panose="020B0604020202020204" pitchFamily="34" charset="0"/>
               </a:rPr>
-              <a:t>://github.com/zhengwang125/CE7454_Compound_Embedding</a:t>
-            </a:r>
-            <a:endParaRPr lang="en-SG" altLang="en-US" sz="1600" baseline="0" dirty="0">
-              <a:latin typeface="+mj-lt"/>
-              <a:cs typeface="Arial" panose="020B0604020202020204" pitchFamily="34" charset="0"/>
-            </a:endParaRPr>
+              <a:t>: https://github.com/zhengwang125/CE7454_Compound_Embedding</a:t>
+            </a:r>
           </a:p>
           <a:p>
             <a:pPr marL="0" indent="0" algn="ctr" eaLnBrk="1" hangingPunct="1">
@@ -10865,25 +10877,10 @@
 </file>
 
 <file path=customXml/item1.xml><?xml version="1.0" encoding="utf-8"?>
-<p:properties xmlns:p="http://schemas.microsoft.com/office/2006/metadata/properties" xmlns:xsi="http://www.w3.org/2001/XMLSchema-instance" xmlns:pc="http://schemas.microsoft.com/office/infopath/2007/PartnerControls">
-  <documentManagement/>
-</p:properties>
+<LongProperties xmlns="http://schemas.microsoft.com/office/2006/metadata/longProperties"/>
 </file>
 
 <file path=customXml/item2.xml><?xml version="1.0" encoding="utf-8"?>
-<?mso-contentType ?>
-<FormTemplates xmlns="http://schemas.microsoft.com/sharepoint/v3/contenttype/forms">
-  <Display>DocumentLibraryForm</Display>
-  <Edit>DocumentLibraryForm</Edit>
-  <New>DocumentLibraryForm</New>
-</FormTemplates>
-</file>
-
-<file path=customXml/item3.xml><?xml version="1.0" encoding="utf-8"?>
-<LongProperties xmlns="http://schemas.microsoft.com/office/2006/metadata/longProperties"/>
-</file>
-
-<file path=customXml/item4.xml><?xml version="1.0" encoding="utf-8"?>
 <ct:contentTypeSchema xmlns:ct="http://schemas.microsoft.com/office/2006/metadata/contentType" xmlns:ma="http://schemas.microsoft.com/office/2006/metadata/properties/metaAttributes" ct:_="" ma:_="" ma:contentTypeName="Document" ma:contentTypeID="0x0101001051AFD8D42D094280B5291EE2515BF0" ma:contentTypeVersion="2" ma:contentTypeDescription="Create a new document." ma:contentTypeScope="" ma:versionID="50ab9c9b0d1504f0b943fc68fc17f5cf">
   <xsd:schema xmlns:xsd="http://www.w3.org/2001/XMLSchema" xmlns:xs="http://www.w3.org/2001/XMLSchema" xmlns:p="http://schemas.microsoft.com/office/2006/metadata/properties" xmlns:ns2="9b08206d-f8ab-4d7f-991b-5b0cac93b493" targetNamespace="http://schemas.microsoft.com/office/2006/metadata/properties" ma:root="true" ma:fieldsID="ec18e337122cf9f17f4e77c413e487ec" ns2:_="">
     <xsd:import namespace="9b08206d-f8ab-4d7f-991b-5b0cac93b493"/>
@@ -11031,7 +11028,48 @@
 </ct:contentTypeSchema>
 </file>
 
+<file path=customXml/item3.xml><?xml version="1.0" encoding="utf-8"?>
+<p:properties xmlns:p="http://schemas.microsoft.com/office/2006/metadata/properties" xmlns:xsi="http://www.w3.org/2001/XMLSchema-instance" xmlns:pc="http://schemas.microsoft.com/office/infopath/2007/PartnerControls">
+  <documentManagement/>
+</p:properties>
+</file>
+
+<file path=customXml/item4.xml><?xml version="1.0" encoding="utf-8"?>
+<?mso-contentType ?>
+<FormTemplates xmlns="http://schemas.microsoft.com/sharepoint/v3/contenttype/forms">
+  <Display>DocumentLibraryForm</Display>
+  <Edit>DocumentLibraryForm</Edit>
+  <New>DocumentLibraryForm</New>
+</FormTemplates>
+</file>
+
 <file path=customXml/itemProps1.xml><?xml version="1.0" encoding="utf-8"?>
+<ds:datastoreItem xmlns:ds="http://schemas.openxmlformats.org/officeDocument/2006/customXml" ds:itemID="{2F66393E-27DA-4F94-AE15-5872A813E063}">
+  <ds:schemaRefs>
+    <ds:schemaRef ds:uri="http://schemas.microsoft.com/office/2006/metadata/longProperties"/>
+  </ds:schemaRefs>
+</ds:datastoreItem>
+</file>
+
+<file path=customXml/itemProps2.xml><?xml version="1.0" encoding="utf-8"?>
+<ds:datastoreItem xmlns:ds="http://schemas.openxmlformats.org/officeDocument/2006/customXml" ds:itemID="{EE1455E7-074D-4C75-A0A0-3484874E99CC}">
+  <ds:schemaRefs>
+    <ds:schemaRef ds:uri="http://schemas.microsoft.com/office/2006/metadata/contentType"/>
+    <ds:schemaRef ds:uri="http://schemas.microsoft.com/office/2006/metadata/properties/metaAttributes"/>
+    <ds:schemaRef ds:uri="http://www.w3.org/2001/XMLSchema"/>
+    <ds:schemaRef ds:uri="http://schemas.microsoft.com/office/2006/metadata/properties"/>
+    <ds:schemaRef ds:uri="9b08206d-f8ab-4d7f-991b-5b0cac93b493"/>
+    <ds:schemaRef ds:uri="http://schemas.microsoft.com/office/2006/documentManagement/types"/>
+    <ds:schemaRef ds:uri="http://schemas.microsoft.com/office/infopath/2007/PartnerControls"/>
+    <ds:schemaRef ds:uri="http://schemas.openxmlformats.org/package/2006/metadata/core-properties"/>
+    <ds:schemaRef ds:uri="http://purl.org/dc/elements/1.1/"/>
+    <ds:schemaRef ds:uri="http://purl.org/dc/terms/"/>
+    <ds:schemaRef ds:uri="http://schemas.microsoft.com/internal/obd"/>
+  </ds:schemaRefs>
+</ds:datastoreItem>
+</file>
+
+<file path=customXml/itemProps3.xml><?xml version="1.0" encoding="utf-8"?>
 <ds:datastoreItem xmlns:ds="http://schemas.openxmlformats.org/officeDocument/2006/customXml" ds:itemID="{03A55819-6C2E-4382-84A2-56BEE56359FB}">
   <ds:schemaRefs>
     <ds:schemaRef ds:uri="http://purl.org/dc/terms/"/>
@@ -11047,36 +11085,10 @@
 </ds:datastoreItem>
 </file>
 
-<file path=customXml/itemProps2.xml><?xml version="1.0" encoding="utf-8"?>
+<file path=customXml/itemProps4.xml><?xml version="1.0" encoding="utf-8"?>
 <ds:datastoreItem xmlns:ds="http://schemas.openxmlformats.org/officeDocument/2006/customXml" ds:itemID="{6D513317-DDA6-445F-81DF-2586A6922112}">
   <ds:schemaRefs>
     <ds:schemaRef ds:uri="http://schemas.microsoft.com/sharepoint/v3/contenttype/forms"/>
   </ds:schemaRefs>
 </ds:datastoreItem>
-</file>
-
-<file path=customXml/itemProps3.xml><?xml version="1.0" encoding="utf-8"?>
-<ds:datastoreItem xmlns:ds="http://schemas.openxmlformats.org/officeDocument/2006/customXml" ds:itemID="{2F66393E-27DA-4F94-AE15-5872A813E063}">
-  <ds:schemaRefs>
-    <ds:schemaRef ds:uri="http://schemas.microsoft.com/office/2006/metadata/longProperties"/>
-  </ds:schemaRefs>
-</ds:datastoreItem>
-</file>
-
-<file path=customXml/itemProps4.xml><?xml version="1.0" encoding="utf-8"?>
-<ds:datastoreItem xmlns:ds="http://schemas.openxmlformats.org/officeDocument/2006/customXml" ds:itemID="{EE1455E7-074D-4C75-A0A0-3484874E99CC}">
-  <ds:schemaRefs>
-    <ds:schemaRef ds:uri="http://schemas.microsoft.com/office/2006/metadata/contentType"/>
-    <ds:schemaRef ds:uri="http://schemas.microsoft.com/office/2006/metadata/properties/metaAttributes"/>
-    <ds:schemaRef ds:uri="http://www.w3.org/2001/XMLSchema"/>
-    <ds:schemaRef ds:uri="http://schemas.microsoft.com/office/2006/metadata/properties"/>
-    <ds:schemaRef ds:uri="9b08206d-f8ab-4d7f-991b-5b0cac93b493"/>
-    <ds:schemaRef ds:uri="http://schemas.microsoft.com/office/2006/documentManagement/types"/>
-    <ds:schemaRef ds:uri="http://schemas.microsoft.com/office/infopath/2007/PartnerControls"/>
-    <ds:schemaRef ds:uri="http://schemas.openxmlformats.org/package/2006/metadata/core-properties"/>
-    <ds:schemaRef ds:uri="http://purl.org/dc/elements/1.1/"/>
-    <ds:schemaRef ds:uri="http://purl.org/dc/terms/"/>
-    <ds:schemaRef ds:uri="http://schemas.microsoft.com/internal/obd"/>
-  </ds:schemaRefs>
-</ds:datastoreItem>
 </file>